--- a/images/theory_analysis/Kubernetes_Authentication_Client_Certificate/Kubernetes_Authentication_Client_Certificate.pptx
+++ b/images/theory_analysis/Kubernetes_Authentication_Client_Certificate/Kubernetes_Authentication_Client_Certificate.pptx
@@ -215,7 +215,7 @@
           <a:p>
             <a:fld id="{6CD5550B-26C4-49A9-A5BA-636EF7BE6CE9}" type="datetimeFigureOut">
               <a:rPr lang="ko-KR" altLang="en-US" smtClean="0"/>
-              <a:t>2021-04-29</a:t>
+              <a:t>2021-05-01</a:t>
             </a:fld>
             <a:endParaRPr lang="ko-KR" altLang="en-US"/>
           </a:p>
@@ -829,7 +829,7 @@
           <a:p>
             <a:fld id="{FB30EDBD-1C2D-4C1E-B459-B60219FAB484}" type="datetimeFigureOut">
               <a:rPr lang="ko-KR" altLang="en-US" smtClean="0"/>
-              <a:t>2021-04-29</a:t>
+              <a:t>2021-05-01</a:t>
             </a:fld>
             <a:endParaRPr lang="ko-KR" altLang="en-US"/>
           </a:p>
@@ -992,7 +992,7 @@
           <a:p>
             <a:fld id="{FB30EDBD-1C2D-4C1E-B459-B60219FAB484}" type="datetimeFigureOut">
               <a:rPr lang="ko-KR" altLang="en-US" smtClean="0"/>
-              <a:t>2021-04-29</a:t>
+              <a:t>2021-05-01</a:t>
             </a:fld>
             <a:endParaRPr lang="ko-KR" altLang="en-US"/>
           </a:p>
@@ -1165,7 +1165,7 @@
           <a:p>
             <a:fld id="{FB30EDBD-1C2D-4C1E-B459-B60219FAB484}" type="datetimeFigureOut">
               <a:rPr lang="ko-KR" altLang="en-US" smtClean="0"/>
-              <a:t>2021-04-29</a:t>
+              <a:t>2021-05-01</a:t>
             </a:fld>
             <a:endParaRPr lang="ko-KR" altLang="en-US"/>
           </a:p>
@@ -1328,7 +1328,7 @@
           <a:p>
             <a:fld id="{FB30EDBD-1C2D-4C1E-B459-B60219FAB484}" type="datetimeFigureOut">
               <a:rPr lang="ko-KR" altLang="en-US" smtClean="0"/>
-              <a:t>2021-04-29</a:t>
+              <a:t>2021-05-01</a:t>
             </a:fld>
             <a:endParaRPr lang="ko-KR" altLang="en-US"/>
           </a:p>
@@ -1568,7 +1568,7 @@
           <a:p>
             <a:fld id="{FB30EDBD-1C2D-4C1E-B459-B60219FAB484}" type="datetimeFigureOut">
               <a:rPr lang="ko-KR" altLang="en-US" smtClean="0"/>
-              <a:t>2021-04-29</a:t>
+              <a:t>2021-05-01</a:t>
             </a:fld>
             <a:endParaRPr lang="ko-KR" altLang="en-US"/>
           </a:p>
@@ -1848,7 +1848,7 @@
           <a:p>
             <a:fld id="{FB30EDBD-1C2D-4C1E-B459-B60219FAB484}" type="datetimeFigureOut">
               <a:rPr lang="ko-KR" altLang="en-US" smtClean="0"/>
-              <a:t>2021-04-29</a:t>
+              <a:t>2021-05-01</a:t>
             </a:fld>
             <a:endParaRPr lang="ko-KR" altLang="en-US"/>
           </a:p>
@@ -2262,7 +2262,7 @@
           <a:p>
             <a:fld id="{FB30EDBD-1C2D-4C1E-B459-B60219FAB484}" type="datetimeFigureOut">
               <a:rPr lang="ko-KR" altLang="en-US" smtClean="0"/>
-              <a:t>2021-04-29</a:t>
+              <a:t>2021-05-01</a:t>
             </a:fld>
             <a:endParaRPr lang="ko-KR" altLang="en-US"/>
           </a:p>
@@ -2374,7 +2374,7 @@
           <a:p>
             <a:fld id="{FB30EDBD-1C2D-4C1E-B459-B60219FAB484}" type="datetimeFigureOut">
               <a:rPr lang="ko-KR" altLang="en-US" smtClean="0"/>
-              <a:t>2021-04-29</a:t>
+              <a:t>2021-05-01</a:t>
             </a:fld>
             <a:endParaRPr lang="ko-KR" altLang="en-US"/>
           </a:p>
@@ -2464,7 +2464,7 @@
           <a:p>
             <a:fld id="{FB30EDBD-1C2D-4C1E-B459-B60219FAB484}" type="datetimeFigureOut">
               <a:rPr lang="ko-KR" altLang="en-US" smtClean="0"/>
-              <a:t>2021-04-29</a:t>
+              <a:t>2021-05-01</a:t>
             </a:fld>
             <a:endParaRPr lang="ko-KR" altLang="en-US"/>
           </a:p>
@@ -2734,7 +2734,7 @@
           <a:p>
             <a:fld id="{FB30EDBD-1C2D-4C1E-B459-B60219FAB484}" type="datetimeFigureOut">
               <a:rPr lang="ko-KR" altLang="en-US" smtClean="0"/>
-              <a:t>2021-04-29</a:t>
+              <a:t>2021-05-01</a:t>
             </a:fld>
             <a:endParaRPr lang="ko-KR" altLang="en-US"/>
           </a:p>
@@ -2981,7 +2981,7 @@
           <a:p>
             <a:fld id="{FB30EDBD-1C2D-4C1E-B459-B60219FAB484}" type="datetimeFigureOut">
               <a:rPr lang="ko-KR" altLang="en-US" smtClean="0"/>
-              <a:t>2021-04-29</a:t>
+              <a:t>2021-05-01</a:t>
             </a:fld>
             <a:endParaRPr lang="ko-KR" altLang="en-US"/>
           </a:p>
@@ -3187,7 +3187,7 @@
           <a:p>
             <a:fld id="{FB30EDBD-1C2D-4C1E-B459-B60219FAB484}" type="datetimeFigureOut">
               <a:rPr lang="ko-KR" altLang="en-US" smtClean="0"/>
-              <a:t>2021-04-29</a:t>
+              <a:t>2021-05-01</a:t>
             </a:fld>
             <a:endParaRPr lang="ko-KR" altLang="en-US"/>
           </a:p>
@@ -4890,6 +4890,115 @@
               <a:t>1</a:t>
             </a:r>
             <a:endParaRPr lang="ko-KR" altLang="en-US" sz="1000"/>
+          </a:p>
+        </p:txBody>
+      </p:sp>
+      <p:sp>
+        <p:nvSpPr>
+          <p:cNvPr id="30" name="타원 29">
+            <a:extLst>
+              <a:ext uri="{FF2B5EF4-FFF2-40B4-BE49-F238E27FC236}">
+                <a16:creationId xmlns:a16="http://schemas.microsoft.com/office/drawing/2014/main" id="{788A41C7-7E98-47C8-95EC-82BEE08297A0}"/>
+              </a:ext>
+            </a:extLst>
+          </p:cNvPr>
+          <p:cNvSpPr/>
+          <p:nvPr/>
+        </p:nvSpPr>
+        <p:spPr>
+          <a:xfrm>
+            <a:off x="4856604" y="2709571"/>
+            <a:ext cx="222672" cy="213266"/>
+          </a:xfrm>
+          <a:prstGeom prst="ellipse">
+            <a:avLst/>
+          </a:prstGeom>
+          <a:ln w="19050">
+            <a:solidFill>
+              <a:schemeClr val="tx2"/>
+            </a:solidFill>
+          </a:ln>
+        </p:spPr>
+        <p:style>
+          <a:lnRef idx="2">
+            <a:schemeClr val="accent2"/>
+          </a:lnRef>
+          <a:fillRef idx="1">
+            <a:schemeClr val="lt1"/>
+          </a:fillRef>
+          <a:effectRef idx="0">
+            <a:schemeClr val="accent2"/>
+          </a:effectRef>
+          <a:fontRef idx="minor">
+            <a:schemeClr val="dk1"/>
+          </a:fontRef>
+        </p:style>
+        <p:txBody>
+          <a:bodyPr rtlCol="0" anchor="ctr"/>
+          <a:lstStyle/>
+          <a:p>
+            <a:pPr algn="ctr"/>
+            <a:r>
+              <a:rPr lang="en-US" altLang="ko-KR" sz="1000"/>
+              <a:t>2</a:t>
+            </a:r>
+            <a:endParaRPr lang="ko-KR" altLang="en-US" sz="1000"/>
+          </a:p>
+        </p:txBody>
+      </p:sp>
+      <p:sp>
+        <p:nvSpPr>
+          <p:cNvPr id="31" name="TextBox 30">
+            <a:extLst>
+              <a:ext uri="{FF2B5EF4-FFF2-40B4-BE49-F238E27FC236}">
+                <a16:creationId xmlns:a16="http://schemas.microsoft.com/office/drawing/2014/main" id="{109E3440-8607-4789-A37C-EFABCB144987}"/>
+              </a:ext>
+            </a:extLst>
+          </p:cNvPr>
+          <p:cNvSpPr txBox="1"/>
+          <p:nvPr/>
+        </p:nvSpPr>
+        <p:spPr>
+          <a:xfrm>
+            <a:off x="4057616" y="2918040"/>
+            <a:ext cx="1820648" cy="400110"/>
+          </a:xfrm>
+          <a:prstGeom prst="rect">
+            <a:avLst/>
+          </a:prstGeom>
+          <a:noFill/>
+        </p:spPr>
+        <p:txBody>
+          <a:bodyPr wrap="square" rtlCol="0" anchor="ctr">
+            <a:spAutoFit/>
+          </a:bodyPr>
+          <a:lstStyle/>
+          <a:p>
+            <a:pPr algn="ctr"/>
+            <a:r>
+              <a:rPr lang="en-US" altLang="ko-KR" sz="1000">
+                <a:solidFill>
+                  <a:schemeClr val="tx2"/>
+                </a:solidFill>
+              </a:rPr>
+              <a:t>Validate </a:t>
+            </a:r>
+          </a:p>
+          <a:p>
+            <a:pPr algn="ctr"/>
+            <a:r>
+              <a:rPr lang="en-US" altLang="ko-KR" sz="1000">
+                <a:solidFill>
+                  <a:schemeClr val="tx2"/>
+                </a:solidFill>
+              </a:rPr>
+              <a:t>Client Certificate</a:t>
+            </a:r>
+            <a:endParaRPr lang="ko-KR" altLang="en-US" sz="1000">
+              <a:solidFill>
+                <a:schemeClr val="tx2"/>
+              </a:solidFill>
+            </a:endParaRPr>
           </a:p>
         </p:txBody>
       </p:sp>

--- a/images/theory_analysis/Kubernetes_Authentication_Client_Certificate/Kubernetes_Authentication_Client_Certificate.pptx
+++ b/images/theory_analysis/Kubernetes_Authentication_Client_Certificate/Kubernetes_Authentication_Client_Certificate.pptx
@@ -3851,7 +3851,7 @@
             <a:pPr algn="ctr"/>
             <a:r>
               <a:rPr lang="en-US" altLang="ko-KR" sz="1200" b="1"/>
-              <a:t>Client Certificate</a:t>
+              <a:t>Client Certificate, Key</a:t>
             </a:r>
             <a:endParaRPr lang="ko-KR" altLang="en-US" sz="1200" b="1"/>
           </a:p>
@@ -4486,7 +4486,7 @@
             <a:pPr algn="ctr"/>
             <a:r>
               <a:rPr lang="en-US" altLang="ko-KR" sz="1200" b="1"/>
-              <a:t>Client Certificate</a:t>
+              <a:t>Client Certificate, Key</a:t>
             </a:r>
             <a:endParaRPr lang="ko-KR" altLang="en-US" sz="1200" b="1"/>
           </a:p>
@@ -4960,8 +4960,8 @@
         </p:nvSpPr>
         <p:spPr>
           <a:xfrm>
-            <a:off x="4057616" y="2918040"/>
-            <a:ext cx="1820648" cy="400110"/>
+            <a:off x="3963631" y="2891720"/>
+            <a:ext cx="2008618" cy="400110"/>
           </a:xfrm>
           <a:prstGeom prst="rect">
             <a:avLst/>
@@ -4981,7 +4981,7 @@
                   <a:schemeClr val="tx2"/>
                 </a:solidFill>
               </a:rPr>
-              <a:t>Validate </a:t>
+              <a:t>Validate Client Certificate</a:t>
             </a:r>
           </a:p>
           <a:p>
@@ -4992,7 +4992,7 @@
                   <a:schemeClr val="tx2"/>
                 </a:solidFill>
               </a:rPr>
-              <a:t>Client Certificate</a:t>
+              <a:t>with client_ca.crt &amp; Client Key</a:t>
             </a:r>
             <a:endParaRPr lang="ko-KR" altLang="en-US" sz="1000">
               <a:solidFill>

--- a/images/theory_analysis/Kubernetes_Authentication_Client_Certificate/Kubernetes_Authentication_Client_Certificate.pptx
+++ b/images/theory_analysis/Kubernetes_Authentication_Client_Certificate/Kubernetes_Authentication_Client_Certificate.pptx
@@ -215,7 +215,7 @@
           <a:p>
             <a:fld id="{6CD5550B-26C4-49A9-A5BA-636EF7BE6CE9}" type="datetimeFigureOut">
               <a:rPr lang="ko-KR" altLang="en-US" smtClean="0"/>
-              <a:t>2021-05-01</a:t>
+              <a:t>2021-05-02</a:t>
             </a:fld>
             <a:endParaRPr lang="ko-KR" altLang="en-US"/>
           </a:p>
@@ -829,7 +829,7 @@
           <a:p>
             <a:fld id="{FB30EDBD-1C2D-4C1E-B459-B60219FAB484}" type="datetimeFigureOut">
               <a:rPr lang="ko-KR" altLang="en-US" smtClean="0"/>
-              <a:t>2021-05-01</a:t>
+              <a:t>2021-05-02</a:t>
             </a:fld>
             <a:endParaRPr lang="ko-KR" altLang="en-US"/>
           </a:p>
@@ -992,7 +992,7 @@
           <a:p>
             <a:fld id="{FB30EDBD-1C2D-4C1E-B459-B60219FAB484}" type="datetimeFigureOut">
               <a:rPr lang="ko-KR" altLang="en-US" smtClean="0"/>
-              <a:t>2021-05-01</a:t>
+              <a:t>2021-05-02</a:t>
             </a:fld>
             <a:endParaRPr lang="ko-KR" altLang="en-US"/>
           </a:p>
@@ -1165,7 +1165,7 @@
           <a:p>
             <a:fld id="{FB30EDBD-1C2D-4C1E-B459-B60219FAB484}" type="datetimeFigureOut">
               <a:rPr lang="ko-KR" altLang="en-US" smtClean="0"/>
-              <a:t>2021-05-01</a:t>
+              <a:t>2021-05-02</a:t>
             </a:fld>
             <a:endParaRPr lang="ko-KR" altLang="en-US"/>
           </a:p>
@@ -1328,7 +1328,7 @@
           <a:p>
             <a:fld id="{FB30EDBD-1C2D-4C1E-B459-B60219FAB484}" type="datetimeFigureOut">
               <a:rPr lang="ko-KR" altLang="en-US" smtClean="0"/>
-              <a:t>2021-05-01</a:t>
+              <a:t>2021-05-02</a:t>
             </a:fld>
             <a:endParaRPr lang="ko-KR" altLang="en-US"/>
           </a:p>
@@ -1568,7 +1568,7 @@
           <a:p>
             <a:fld id="{FB30EDBD-1C2D-4C1E-B459-B60219FAB484}" type="datetimeFigureOut">
               <a:rPr lang="ko-KR" altLang="en-US" smtClean="0"/>
-              <a:t>2021-05-01</a:t>
+              <a:t>2021-05-02</a:t>
             </a:fld>
             <a:endParaRPr lang="ko-KR" altLang="en-US"/>
           </a:p>
@@ -1848,7 +1848,7 @@
           <a:p>
             <a:fld id="{FB30EDBD-1C2D-4C1E-B459-B60219FAB484}" type="datetimeFigureOut">
               <a:rPr lang="ko-KR" altLang="en-US" smtClean="0"/>
-              <a:t>2021-05-01</a:t>
+              <a:t>2021-05-02</a:t>
             </a:fld>
             <a:endParaRPr lang="ko-KR" altLang="en-US"/>
           </a:p>
@@ -2262,7 +2262,7 @@
           <a:p>
             <a:fld id="{FB30EDBD-1C2D-4C1E-B459-B60219FAB484}" type="datetimeFigureOut">
               <a:rPr lang="ko-KR" altLang="en-US" smtClean="0"/>
-              <a:t>2021-05-01</a:t>
+              <a:t>2021-05-02</a:t>
             </a:fld>
             <a:endParaRPr lang="ko-KR" altLang="en-US"/>
           </a:p>
@@ -2374,7 +2374,7 @@
           <a:p>
             <a:fld id="{FB30EDBD-1C2D-4C1E-B459-B60219FAB484}" type="datetimeFigureOut">
               <a:rPr lang="ko-KR" altLang="en-US" smtClean="0"/>
-              <a:t>2021-05-01</a:t>
+              <a:t>2021-05-02</a:t>
             </a:fld>
             <a:endParaRPr lang="ko-KR" altLang="en-US"/>
           </a:p>
@@ -2464,7 +2464,7 @@
           <a:p>
             <a:fld id="{FB30EDBD-1C2D-4C1E-B459-B60219FAB484}" type="datetimeFigureOut">
               <a:rPr lang="ko-KR" altLang="en-US" smtClean="0"/>
-              <a:t>2021-05-01</a:t>
+              <a:t>2021-05-02</a:t>
             </a:fld>
             <a:endParaRPr lang="ko-KR" altLang="en-US"/>
           </a:p>
@@ -2734,7 +2734,7 @@
           <a:p>
             <a:fld id="{FB30EDBD-1C2D-4C1E-B459-B60219FAB484}" type="datetimeFigureOut">
               <a:rPr lang="ko-KR" altLang="en-US" smtClean="0"/>
-              <a:t>2021-05-01</a:t>
+              <a:t>2021-05-02</a:t>
             </a:fld>
             <a:endParaRPr lang="ko-KR" altLang="en-US"/>
           </a:p>
@@ -2981,7 +2981,7 @@
           <a:p>
             <a:fld id="{FB30EDBD-1C2D-4C1E-B459-B60219FAB484}" type="datetimeFigureOut">
               <a:rPr lang="ko-KR" altLang="en-US" smtClean="0"/>
-              <a:t>2021-05-01</a:t>
+              <a:t>2021-05-02</a:t>
             </a:fld>
             <a:endParaRPr lang="ko-KR" altLang="en-US"/>
           </a:p>
@@ -3187,7 +3187,7 @@
           <a:p>
             <a:fld id="{FB30EDBD-1C2D-4C1E-B459-B60219FAB484}" type="datetimeFigureOut">
               <a:rPr lang="ko-KR" altLang="en-US" smtClean="0"/>
-              <a:t>2021-05-01</a:t>
+              <a:t>2021-05-02</a:t>
             </a:fld>
             <a:endParaRPr lang="ko-KR" altLang="en-US"/>
           </a:p>
@@ -3651,7 +3651,7 @@
             <a:pPr algn="ctr"/>
             <a:r>
               <a:rPr lang="en-US" altLang="ko-KR" sz="1200" b="1"/>
-              <a:t>client_ca.crt</a:t>
+              <a:t>Client CA Certificate</a:t>
             </a:r>
             <a:endParaRPr lang="ko-KR" altLang="en-US" sz="1200" b="1"/>
           </a:p>
@@ -3801,7 +3801,7 @@
             <a:pPr algn="ctr"/>
             <a:r>
               <a:rPr lang="en-US" altLang="ko-KR" sz="1200"/>
-              <a:t>server_ca.crt</a:t>
+              <a:t>Server CA Certificate</a:t>
             </a:r>
             <a:endParaRPr lang="ko-KR" altLang="en-US" sz="1200"/>
           </a:p>
@@ -3901,7 +3901,7 @@
             <a:pPr algn="ctr"/>
             <a:r>
               <a:rPr lang="en-US" altLang="ko-KR" sz="1200"/>
-              <a:t>server_ca.crt</a:t>
+              <a:t>Server CA Certificate</a:t>
             </a:r>
             <a:endParaRPr lang="ko-KR" altLang="en-US" sz="1200"/>
           </a:p>
@@ -4789,7 +4789,7 @@
             <a:pPr algn="ctr"/>
             <a:r>
               <a:rPr lang="en-US" altLang="ko-KR" sz="1200"/>
-              <a:t>server_ca.crt</a:t>
+              <a:t>Server CA Certificate</a:t>
             </a:r>
             <a:endParaRPr lang="ko-KR" altLang="en-US" sz="1200"/>
           </a:p>
